--- a/weekly_dashboard/dashboard-05-04.pptx
+++ b/weekly_dashboard/dashboard-05-04.pptx
@@ -213,7 +213,7 @@
           <a:p>
             <a:fld id="{6B5ADEEA-2554-3649-A5FC-F8BE9CAFE9B8}" type="datetimeFigureOut">
               <a:rPr lang="en-US" smtClean="0"/>
-              <a:t>5/4/2018</a:t>
+              <a:t>5/7/2018</a:t>
             </a:fld>
             <a:endParaRPr lang="en-US"/>
           </a:p>
@@ -705,7 +705,7 @@
           <a:p>
             <a:fld id="{B8394864-8E61-46E1-AE6F-DC9B03139954}" type="datetimeFigureOut">
               <a:rPr lang="en-US" smtClean="0"/>
-              <a:t>5/4/2018</a:t>
+              <a:t>5/7/2018</a:t>
             </a:fld>
             <a:endParaRPr lang="en-US"/>
           </a:p>
@@ -873,7 +873,7 @@
           <a:p>
             <a:fld id="{B8394864-8E61-46E1-AE6F-DC9B03139954}" type="datetimeFigureOut">
               <a:rPr lang="en-US" smtClean="0"/>
-              <a:t>5/4/2018</a:t>
+              <a:t>5/7/2018</a:t>
             </a:fld>
             <a:endParaRPr lang="en-US"/>
           </a:p>
@@ -1051,7 +1051,7 @@
           <a:p>
             <a:fld id="{B8394864-8E61-46E1-AE6F-DC9B03139954}" type="datetimeFigureOut">
               <a:rPr lang="en-US" smtClean="0"/>
-              <a:t>5/4/2018</a:t>
+              <a:t>5/7/2018</a:t>
             </a:fld>
             <a:endParaRPr lang="en-US"/>
           </a:p>
@@ -1219,7 +1219,7 @@
           <a:p>
             <a:fld id="{B8394864-8E61-46E1-AE6F-DC9B03139954}" type="datetimeFigureOut">
               <a:rPr lang="en-US" smtClean="0"/>
-              <a:t>5/4/2018</a:t>
+              <a:t>5/7/2018</a:t>
             </a:fld>
             <a:endParaRPr lang="en-US"/>
           </a:p>
@@ -1464,7 +1464,7 @@
           <a:p>
             <a:fld id="{B8394864-8E61-46E1-AE6F-DC9B03139954}" type="datetimeFigureOut">
               <a:rPr lang="en-US" smtClean="0"/>
-              <a:t>5/4/2018</a:t>
+              <a:t>5/7/2018</a:t>
             </a:fld>
             <a:endParaRPr lang="en-US"/>
           </a:p>
@@ -1693,7 +1693,7 @@
           <a:p>
             <a:fld id="{B8394864-8E61-46E1-AE6F-DC9B03139954}" type="datetimeFigureOut">
               <a:rPr lang="en-US" smtClean="0"/>
-              <a:t>5/4/2018</a:t>
+              <a:t>5/7/2018</a:t>
             </a:fld>
             <a:endParaRPr lang="en-US"/>
           </a:p>
@@ -2057,7 +2057,7 @@
           <a:p>
             <a:fld id="{B8394864-8E61-46E1-AE6F-DC9B03139954}" type="datetimeFigureOut">
               <a:rPr lang="en-US" smtClean="0"/>
-              <a:t>5/4/2018</a:t>
+              <a:t>5/7/2018</a:t>
             </a:fld>
             <a:endParaRPr lang="en-US"/>
           </a:p>
@@ -2174,7 +2174,7 @@
           <a:p>
             <a:fld id="{B8394864-8E61-46E1-AE6F-DC9B03139954}" type="datetimeFigureOut">
               <a:rPr lang="en-US" smtClean="0"/>
-              <a:t>5/4/2018</a:t>
+              <a:t>5/7/2018</a:t>
             </a:fld>
             <a:endParaRPr lang="en-US"/>
           </a:p>
@@ -2269,7 +2269,7 @@
           <a:p>
             <a:fld id="{B8394864-8E61-46E1-AE6F-DC9B03139954}" type="datetimeFigureOut">
               <a:rPr lang="en-US" smtClean="0"/>
-              <a:t>5/4/2018</a:t>
+              <a:t>5/7/2018</a:t>
             </a:fld>
             <a:endParaRPr lang="en-US"/>
           </a:p>
@@ -2544,7 +2544,7 @@
           <a:p>
             <a:fld id="{B8394864-8E61-46E1-AE6F-DC9B03139954}" type="datetimeFigureOut">
               <a:rPr lang="en-US" smtClean="0"/>
-              <a:t>5/4/2018</a:t>
+              <a:t>5/7/2018</a:t>
             </a:fld>
             <a:endParaRPr lang="en-US"/>
           </a:p>
@@ -2796,7 +2796,7 @@
           <a:p>
             <a:fld id="{B8394864-8E61-46E1-AE6F-DC9B03139954}" type="datetimeFigureOut">
               <a:rPr lang="en-US" smtClean="0"/>
-              <a:t>5/4/2018</a:t>
+              <a:t>5/7/2018</a:t>
             </a:fld>
             <a:endParaRPr lang="en-US"/>
           </a:p>
@@ -3007,7 +3007,7 @@
           <a:p>
             <a:fld id="{B8394864-8E61-46E1-AE6F-DC9B03139954}" type="datetimeFigureOut">
               <a:rPr lang="en-US" smtClean="0"/>
-              <a:t>5/4/2018</a:t>
+              <a:t>5/7/2018</a:t>
             </a:fld>
             <a:endParaRPr lang="en-US"/>
           </a:p>
